--- a/Slides/MiCM_IntroToR.pptx
+++ b/Slides/MiCM_IntroToR.pptx
@@ -2414,7 +2414,7 @@
           <a:p>
             <a:fld id="{217E5156-1B5D-054E-B5B2-E1B1BA160252}" type="datetimeFigureOut">
               <a:rPr lang="fr-FR" smtClean="0"/>
-              <a:t>04/07/2025</a:t>
+              <a:t>11/07/2025</a:t>
             </a:fld>
             <a:endParaRPr lang="fr-FR"/>
           </a:p>
@@ -20423,49 +20423,32 @@
       </p:pic>
       <p:pic>
         <p:nvPicPr>
-          <p:cNvPr id="5" name="Picture 2">
+          <p:cNvPr id="8" name="Picture 7" descr="A qr code with black squares&#10;&#10;AI-generated content may be incorrect.">
             <a:extLst>
               <a:ext uri="{FF2B5EF4-FFF2-40B4-BE49-F238E27FC236}">
-                <a16:creationId xmlns:a16="http://schemas.microsoft.com/office/drawing/2014/main" id="{E8D5DA77-8A91-8C31-6E6C-C97671E7D73F}"/>
+                <a16:creationId xmlns:a16="http://schemas.microsoft.com/office/drawing/2014/main" id="{10EBFE33-8C8A-8497-204A-F4A1B0943CFE}"/>
               </a:ext>
             </a:extLst>
           </p:cNvPr>
           <p:cNvPicPr>
-            <a:picLocks noChangeAspect="1" noChangeArrowheads="1"/>
+            <a:picLocks noChangeAspect="1"/>
           </p:cNvPicPr>
           <p:nvPr/>
         </p:nvPicPr>
         <p:blipFill>
-          <a:blip r:embed="rId5">
-            <a:extLst>
-              <a:ext uri="{28A0092B-C50C-407E-A947-70E740481C1C}">
-                <a14:useLocalDpi xmlns:a14="http://schemas.microsoft.com/office/drawing/2010/main" val="0"/>
-              </a:ext>
-            </a:extLst>
-          </a:blip>
-          <a:srcRect/>
+          <a:blip r:embed="rId5"/>
           <a:stretch>
             <a:fillRect/>
           </a:stretch>
         </p:blipFill>
-        <p:spPr bwMode="auto">
+        <p:spPr>
           <a:xfrm>
-            <a:off x="511496" y="2756576"/>
-            <a:ext cx="2294417" cy="2294417"/>
+            <a:off x="628650" y="2702873"/>
+            <a:ext cx="2188619" cy="2188619"/>
           </a:xfrm>
           <a:prstGeom prst="rect">
             <a:avLst/>
           </a:prstGeom>
-          <a:noFill/>
-          <a:extLst>
-            <a:ext uri="{909E8E84-426E-40DD-AFC4-6F175D3DCCD1}">
-              <a14:hiddenFill xmlns:a14="http://schemas.microsoft.com/office/drawing/2010/main">
-                <a:solidFill>
-                  <a:srgbClr val="FFFFFF"/>
-                </a:solidFill>
-              </a14:hiddenFill>
-            </a:ext>
-          </a:extLst>
         </p:spPr>
       </p:pic>
     </p:spTree>
